--- a/DATABASE FILE/Payroll System Concept.pptx
+++ b/DATABASE FILE/Payroll System Concept.pptx
@@ -5,13 +5,14 @@
     <p:sldMasterId id="2147483648" r:id="rId4"/>
   </p:sldMasterIdLst>
   <p:notesMasterIdLst>
-    <p:notesMasterId r:id="rId9"/>
+    <p:notesMasterId r:id="rId10"/>
   </p:notesMasterIdLst>
   <p:sldIdLst>
     <p:sldId id="256" r:id="rId5"/>
     <p:sldId id="277" r:id="rId6"/>
     <p:sldId id="278" r:id="rId7"/>
     <p:sldId id="279" r:id="rId8"/>
+    <p:sldId id="280" r:id="rId9"/>
   </p:sldIdLst>
   <p:sldSz cx="12192000" cy="6858000"/>
   <p:notesSz cx="6858000" cy="9144000"/>
@@ -1120,11 +1121,11 @@
     </dgm:pt>
   </dgm:ptLst>
   <dgm:cxnLst>
-    <dgm:cxn modelId="{7A710F69-5154-4855-ACF5-BC7C1BF85A80}" type="presOf" srcId="{49225C73-1633-42F1-AB3B-7CB183E5F8B8}" destId="{7E6FE37A-5DB0-4899-9FCB-0CE39BC185F8}" srcOrd="0" destOrd="0" presId="urn:microsoft.com/office/officeart/2018/5/layout/IconCircleLabelList"/>
-    <dgm:cxn modelId="{355227E3-55E0-4343-BC8D-FC0EB1694F48}" type="presOf" srcId="{40FC4FFE-8987-4A26-B7F4-8A516F18ADAE}" destId="{127117FB-F8A7-4A20-A8A7-EC686DDC76D0}" srcOrd="0" destOrd="0" presId="urn:microsoft.com/office/officeart/2018/5/layout/IconCircleLabelList"/>
-    <dgm:cxn modelId="{676D3A6A-6EA7-4483-BB12-0BD4A7D7AF9D}" type="presOf" srcId="{01A66772-F185-4D58-B8BB-E9370D7A7A2B}" destId="{50B3CE7C-E10B-4E23-BD93-03664997C932}" srcOrd="0" destOrd="0" presId="urn:microsoft.com/office/officeart/2018/5/layout/IconCircleLabelList"/>
     <dgm:cxn modelId="{A9154303-8225-4248-91DC-1B0156A35F07}" srcId="{01A66772-F185-4D58-B8BB-E9370D7A7A2B}" destId="{49225C73-1633-42F1-AB3B-7CB183E5F8B8}" srcOrd="1" destOrd="0" parTransId="{1A0E2090-1D4F-438A-8766-B6030CE01ADD}" sibTransId="{9646853A-8964-4519-A5B1-0B7D18B2983D}"/>
     <dgm:cxn modelId="{C7AD8469-3C68-4AF9-AB82-79B0043AA120}" srcId="{01A66772-F185-4D58-B8BB-E9370D7A7A2B}" destId="{40FC4FFE-8987-4A26-B7F4-8A516F18ADAE}" srcOrd="0" destOrd="0" parTransId="{CAD7EF86-FB23-41F6-BF42-040B36DEFDB1}" sibTransId="{5B62599A-5C9B-48E7-896E-EA782AC60C8B}"/>
+    <dgm:cxn modelId="{355227E3-55E0-4343-BC8D-FC0EB1694F48}" type="presOf" srcId="{40FC4FFE-8987-4A26-B7F4-8A516F18ADAE}" destId="{127117FB-F8A7-4A20-A8A7-EC686DDC76D0}" srcOrd="0" destOrd="0" presId="urn:microsoft.com/office/officeart/2018/5/layout/IconCircleLabelList"/>
+    <dgm:cxn modelId="{7A710F69-5154-4855-ACF5-BC7C1BF85A80}" type="presOf" srcId="{49225C73-1633-42F1-AB3B-7CB183E5F8B8}" destId="{7E6FE37A-5DB0-4899-9FCB-0CE39BC185F8}" srcOrd="0" destOrd="0" presId="urn:microsoft.com/office/officeart/2018/5/layout/IconCircleLabelList"/>
+    <dgm:cxn modelId="{676D3A6A-6EA7-4483-BB12-0BD4A7D7AF9D}" type="presOf" srcId="{01A66772-F185-4D58-B8BB-E9370D7A7A2B}" destId="{50B3CE7C-E10B-4E23-BD93-03664997C932}" srcOrd="0" destOrd="0" presId="urn:microsoft.com/office/officeart/2018/5/layout/IconCircleLabelList"/>
     <dgm:cxn modelId="{555498CB-3ED1-404E-A25F-EB243EFC5FB1}" type="presParOf" srcId="{50B3CE7C-E10B-4E23-BD93-03664997C932}" destId="{DE9CE479-E4AE-4283-AEF1-10C1535B4324}" srcOrd="0" destOrd="0" presId="urn:microsoft.com/office/officeart/2018/5/layout/IconCircleLabelList"/>
     <dgm:cxn modelId="{11F12D49-CD08-4D50-BD13-3ECBC3A476A4}" type="presParOf" srcId="{DE9CE479-E4AE-4283-AEF1-10C1535B4324}" destId="{B59FCF02-CAD2-4D6F-9542-AD86711168CA}" srcOrd="0" destOrd="0" presId="urn:microsoft.com/office/officeart/2018/5/layout/IconCircleLabelList"/>
     <dgm:cxn modelId="{F443A659-540B-487B-97F9-49219CF60D6B}" type="presParOf" srcId="{DE9CE479-E4AE-4283-AEF1-10C1535B4324}" destId="{7C175B98-93F4-4D7C-BB95-1514AB879CD5}" srcOrd="1" destOrd="0" presId="urn:microsoft.com/office/officeart/2018/5/layout/IconCircleLabelList"/>
@@ -1654,7 +1655,7 @@
   </dgm:layoutNode>
   <dgm:extLst>
     <a:ext uri="{68A01E43-0DF5-4B5B-8FA6-DAF915123BFB}">
-      <dgm1612:lstStyle xmlns:dgm1612="http://schemas.microsoft.com/office/drawing/2016/12/diagram" xmlns="">
+      <dgm1612:lstStyle xmlns="" xmlns:dgm1612="http://schemas.microsoft.com/office/drawing/2016/12/diagram">
         <a:lvl1pPr>
           <a:lnSpc>
             <a:spcPct val="100000"/>
@@ -2783,7 +2784,7 @@
           <a:p>
             <a:fld id="{C452ADB1-275D-430A-89EE-5C7E6CFF6FF2}" type="datetimeFigureOut">
               <a:rPr lang="en-US" smtClean="0"/>
-              <a:t>6/14/2023</a:t>
+              <a:t>6/15/2023</a:t>
             </a:fld>
             <a:endParaRPr lang="en-US" dirty="0"/>
           </a:p>
@@ -11843,7 +11844,7 @@
           <a:p>
             <a:fld id="{7005E26E-BCB2-4FD5-8FD5-81A5EAE94C21}" type="datetime1">
               <a:rPr lang="en-US" smtClean="0"/>
-              <a:t>6/14/2023</a:t>
+              <a:t>6/15/2023</a:t>
             </a:fld>
             <a:endParaRPr lang="en-US" dirty="0"/>
           </a:p>
@@ -12045,7 +12046,7 @@
           <a:p>
             <a:fld id="{9CC2E9B8-0487-42E4-B571-744A3D775783}" type="datetime1">
               <a:rPr lang="en-US" smtClean="0"/>
-              <a:t>6/14/2023</a:t>
+              <a:t>6/15/2023</a:t>
             </a:fld>
             <a:endParaRPr lang="en-US" dirty="0"/>
           </a:p>
@@ -12220,7 +12221,7 @@
           <a:p>
             <a:fld id="{9052E32D-1E84-43FD-8158-FFFE757EB0E8}" type="datetime1">
               <a:rPr lang="en-US" smtClean="0"/>
-              <a:t>6/14/2023</a:t>
+              <a:t>6/15/2023</a:t>
             </a:fld>
             <a:endParaRPr lang="en-US" dirty="0"/>
           </a:p>
@@ -12420,7 +12421,7 @@
           <a:p>
             <a:fld id="{8585C470-CD19-455C-B830-6D252EAD7FE5}" type="datetime1">
               <a:rPr lang="en-US" smtClean="0"/>
-              <a:t>6/14/2023</a:t>
+              <a:t>6/15/2023</a:t>
             </a:fld>
             <a:endParaRPr lang="en-US" dirty="0"/>
           </a:p>
@@ -21313,7 +21314,7 @@
           <a:p>
             <a:fld id="{7F85C43C-50D9-4F49-A136-0EFF292F93ED}" type="datetime1">
               <a:rPr lang="en-US" smtClean="0"/>
-              <a:t>6/14/2023</a:t>
+              <a:t>6/15/2023</a:t>
             </a:fld>
             <a:endParaRPr lang="en-US" dirty="0"/>
           </a:p>
@@ -21582,7 +21583,7 @@
           <a:p>
             <a:fld id="{7B53B1A3-0AEF-4064-A724-D27D660C8653}" type="datetime1">
               <a:rPr lang="en-US" smtClean="0"/>
-              <a:t>6/14/2023</a:t>
+              <a:t>6/15/2023</a:t>
             </a:fld>
             <a:endParaRPr lang="en-US" dirty="0"/>
           </a:p>
@@ -21975,7 +21976,7 @@
           <a:p>
             <a:fld id="{37D5D0F2-BF66-4A24-9384-A0129B196518}" type="datetime1">
               <a:rPr lang="en-US" smtClean="0"/>
-              <a:t>6/14/2023</a:t>
+              <a:t>6/15/2023</a:t>
             </a:fld>
             <a:endParaRPr lang="en-US" dirty="0"/>
           </a:p>
@@ -22088,7 +22089,7 @@
           <a:p>
             <a:fld id="{8C318A6C-4F6B-48D2-BDB0-D7413B3FDB0A}" type="datetime1">
               <a:rPr lang="en-US" smtClean="0"/>
-              <a:t>6/14/2023</a:t>
+              <a:t>6/15/2023</a:t>
             </a:fld>
             <a:endParaRPr lang="en-US" dirty="0"/>
           </a:p>
@@ -22178,7 +22179,7 @@
           <a:p>
             <a:fld id="{BF01ECED-6ECE-4989-B917-9D4D7E6D3C76}" type="datetime1">
               <a:rPr lang="en-US" smtClean="0"/>
-              <a:t>6/14/2023</a:t>
+              <a:t>6/15/2023</a:t>
             </a:fld>
             <a:endParaRPr lang="en-US" dirty="0"/>
           </a:p>
@@ -22463,7 +22464,7 @@
           <a:p>
             <a:fld id="{E3B570E1-CB40-488E-8C6F-EF4211DFFCB0}" type="datetime1">
               <a:rPr lang="en-US" smtClean="0"/>
-              <a:t>6/14/2023</a:t>
+              <a:t>6/15/2023</a:t>
             </a:fld>
             <a:endParaRPr lang="en-US" dirty="0"/>
           </a:p>
@@ -22738,7 +22739,7 @@
           <a:p>
             <a:fld id="{D1CEB6AF-9F5C-43BE-879E-CB9514111250}" type="datetime1">
               <a:rPr lang="en-US" smtClean="0"/>
-              <a:t>6/14/2023</a:t>
+              <a:t>6/15/2023</a:t>
             </a:fld>
             <a:endParaRPr lang="en-US" dirty="0"/>
           </a:p>
@@ -22983,7 +22984,7 @@
           <a:p>
             <a:fld id="{E7EE424C-FCA3-4EDD-B274-8E055D649B7D}" type="datetime1">
               <a:rPr lang="en-US" smtClean="0"/>
-              <a:t>6/14/2023</a:t>
+              <a:t>6/15/2023</a:t>
             </a:fld>
             <a:endParaRPr lang="en-US" dirty="0"/>
           </a:p>
@@ -23498,7 +23499,7 @@
                 <a16:creationId xmlns:a16="http://schemas.microsoft.com/office/drawing/2014/main" id="{2FDF0794-1B86-42B2-B8C7-F60123E638ED}"/>
               </a:ext>
               <a:ext uri="{C183D7F6-B498-43B3-948B-1728B52AA6E4}">
-                <adec:decorative xmlns:adec="http://schemas.microsoft.com/office/drawing/2017/decorative" xmlns="" val="1"/>
+                <adec:decorative xmlns="" xmlns:adec="http://schemas.microsoft.com/office/drawing/2017/decorative" val="1"/>
               </a:ext>
             </a:extLst>
           </p:cNvPr>
@@ -23561,7 +23562,7 @@
                 <a16:creationId xmlns:a16="http://schemas.microsoft.com/office/drawing/2014/main" id="{230BD1B1-AA22-48F1-B3ED-579CD284605D}"/>
               </a:ext>
               <a:ext uri="{C183D7F6-B498-43B3-948B-1728B52AA6E4}">
-                <adec:decorative xmlns:adec="http://schemas.microsoft.com/office/drawing/2017/decorative" xmlns="" val="1"/>
+                <adec:decorative xmlns="" xmlns:adec="http://schemas.microsoft.com/office/drawing/2017/decorative" val="1"/>
               </a:ext>
             </a:extLst>
           </p:cNvPr>
@@ -23593,7 +23594,7 @@
                 <a16:creationId xmlns:a16="http://schemas.microsoft.com/office/drawing/2014/main" id="{EAA48FC5-3C83-4F1B-BC33-DF0B588F8317}"/>
               </a:ext>
               <a:ext uri="{C183D7F6-B498-43B3-948B-1728B52AA6E4}">
-                <adec:decorative xmlns:adec="http://schemas.microsoft.com/office/drawing/2017/decorative" xmlns="" val="1"/>
+                <adec:decorative xmlns="" xmlns:adec="http://schemas.microsoft.com/office/drawing/2017/decorative" val="1"/>
               </a:ext>
             </a:extLst>
           </p:cNvPr>
@@ -23740,7 +23741,7 @@
                 <a16:creationId xmlns:a16="http://schemas.microsoft.com/office/drawing/2014/main" id="{62F01714-1A39-4194-BD47-8A9960C59985}"/>
               </a:ext>
               <a:ext uri="{C183D7F6-B498-43B3-948B-1728B52AA6E4}">
-                <adec:decorative xmlns:adec="http://schemas.microsoft.com/office/drawing/2017/decorative" xmlns="" val="1"/>
+                <adec:decorative xmlns="" xmlns:adec="http://schemas.microsoft.com/office/drawing/2017/decorative" val="1"/>
               </a:ext>
             </a:extLst>
           </p:cNvPr>
@@ -23977,18 +23978,126 @@
             </a:r>
           </a:p>
           <a:p>
-            <a:pPr>
+            <a:pPr lvl="1">
               <a:buFont typeface="Wingdings" panose="05000000000000000000" pitchFamily="2" charset="2"/>
               <a:buChar char="ü"/>
             </a:pPr>
             <a:r>
               <a:rPr lang="en-US" dirty="0" smtClean="0"/>
-              <a:t>Employee Reports</a:t>
+              <a:t>Attendance </a:t>
             </a:r>
-            <a:endParaRPr lang="en-PH" dirty="0"/>
           </a:p>
           <a:p>
-            <a:endParaRPr lang="en-PH" dirty="0"/>
+            <a:pPr lvl="1">
+              <a:buFont typeface="Wingdings" panose="05000000000000000000" pitchFamily="2" charset="2"/>
+              <a:buChar char="ü"/>
+            </a:pPr>
+            <a:r>
+              <a:rPr lang="en-US" dirty="0" smtClean="0"/>
+              <a:t>Leave/Holiday Options</a:t>
+            </a:r>
+          </a:p>
+          <a:p>
+            <a:pPr lvl="1">
+              <a:buFont typeface="Wingdings" panose="05000000000000000000" pitchFamily="2" charset="2"/>
+              <a:buChar char="ü"/>
+            </a:pPr>
+            <a:r>
+              <a:rPr lang="en-US" dirty="0" smtClean="0"/>
+              <a:t>Add/remove/ Manage Employee</a:t>
+            </a:r>
+          </a:p>
+          <a:p>
+            <a:pPr lvl="1">
+              <a:buFont typeface="Wingdings" panose="05000000000000000000" pitchFamily="2" charset="2"/>
+              <a:buChar char="ü"/>
+            </a:pPr>
+            <a:endParaRPr lang="en-PH" dirty="0" smtClean="0"/>
+          </a:p>
+          <a:p>
+            <a:r>
+              <a:rPr lang="en-US" dirty="0" smtClean="0"/>
+              <a:t>Multiple office Manager</a:t>
+            </a:r>
+          </a:p>
+          <a:p>
+            <a:r>
+              <a:rPr lang="en-US" dirty="0" smtClean="0"/>
+              <a:t>Role Based User</a:t>
+            </a:r>
+          </a:p>
+          <a:p>
+            <a:r>
+              <a:rPr lang="en-US" dirty="0" smtClean="0"/>
+              <a:t>Payroll Computation </a:t>
+            </a:r>
+          </a:p>
+          <a:p>
+            <a:endParaRPr lang="en-US" dirty="0" smtClean="0"/>
+          </a:p>
+        </p:txBody>
+      </p:sp>
+      <p:pic>
+        <p:nvPicPr>
+          <p:cNvPr id="4" name="Picture 3"/>
+          <p:cNvPicPr>
+            <a:picLocks noChangeAspect="1"/>
+          </p:cNvPicPr>
+          <p:nvPr/>
+        </p:nvPicPr>
+        <p:blipFill>
+          <a:blip r:embed="rId2"/>
+          <a:stretch>
+            <a:fillRect/>
+          </a:stretch>
+        </p:blipFill>
+        <p:spPr>
+          <a:xfrm>
+            <a:off x="7071920" y="2606162"/>
+            <a:ext cx="3541426" cy="1887143"/>
+          </a:xfrm>
+          <a:prstGeom prst="rect">
+            <a:avLst/>
+          </a:prstGeom>
+        </p:spPr>
+      </p:pic>
+      <p:sp>
+        <p:nvSpPr>
+          <p:cNvPr id="5" name="Right Arrow 4"/>
+          <p:cNvSpPr/>
+          <p:nvPr/>
+        </p:nvSpPr>
+        <p:spPr>
+          <a:xfrm>
+            <a:off x="2541865" y="3179428"/>
+            <a:ext cx="4530055" cy="218113"/>
+          </a:xfrm>
+          <a:prstGeom prst="rightArrow">
+            <a:avLst/>
+          </a:prstGeom>
+        </p:spPr>
+        <p:style>
+          <a:lnRef idx="2">
+            <a:schemeClr val="accent1">
+              <a:shade val="50000"/>
+            </a:schemeClr>
+          </a:lnRef>
+          <a:fillRef idx="1">
+            <a:schemeClr val="accent1"/>
+          </a:fillRef>
+          <a:effectRef idx="0">
+            <a:schemeClr val="accent1"/>
+          </a:effectRef>
+          <a:fontRef idx="minor">
+            <a:schemeClr val="lt1"/>
+          </a:fontRef>
+        </p:style>
+        <p:txBody>
+          <a:bodyPr rtlCol="0" anchor="ctr"/>
+          <a:lstStyle/>
+          <a:p>
+            <a:pPr algn="ctr"/>
+            <a:endParaRPr lang="en-PH"/>
           </a:p>
         </p:txBody>
       </p:sp>
@@ -24071,24 +24180,40 @@
               <a:buChar char="ü"/>
             </a:pPr>
             <a:r>
-              <a:rPr lang="en-PH" dirty="0"/>
-              <a:t>Manage </a:t>
-            </a:r>
-            <a:r>
               <a:rPr lang="en-PH" dirty="0" smtClean="0"/>
-              <a:t>Employees</a:t>
+              <a:t>View</a:t>
             </a:r>
           </a:p>
           <a:p>
-            <a:pPr>
+            <a:pPr lvl="1">
               <a:buFont typeface="Wingdings" panose="05000000000000000000" pitchFamily="2" charset="2"/>
               <a:buChar char="ü"/>
             </a:pPr>
             <a:r>
               <a:rPr lang="en-US" dirty="0" smtClean="0"/>
-              <a:t>Employee Reports</a:t>
+              <a:t>Salary Slips</a:t>
             </a:r>
-            <a:endParaRPr lang="en-PH" dirty="0"/>
+          </a:p>
+          <a:p>
+            <a:pPr lvl="1">
+              <a:buFont typeface="Wingdings" panose="05000000000000000000" pitchFamily="2" charset="2"/>
+              <a:buChar char="ü"/>
+            </a:pPr>
+            <a:r>
+              <a:rPr lang="en-US" dirty="0" smtClean="0"/>
+              <a:t>Leaves</a:t>
+            </a:r>
+          </a:p>
+          <a:p>
+            <a:pPr lvl="1">
+              <a:buFont typeface="Wingdings" panose="05000000000000000000" pitchFamily="2" charset="2"/>
+              <a:buChar char="ü"/>
+            </a:pPr>
+            <a:r>
+              <a:rPr lang="en-US" dirty="0" smtClean="0"/>
+              <a:t>Holiday</a:t>
+            </a:r>
+            <a:endParaRPr lang="en-PH" dirty="0" smtClean="0"/>
           </a:p>
           <a:p>
             <a:endParaRPr lang="en-PH" dirty="0"/>
@@ -24099,6 +24224,94 @@
     <p:extLst>
       <p:ext uri="{BB962C8B-B14F-4D97-AF65-F5344CB8AC3E}">
         <p14:creationId xmlns:p14="http://schemas.microsoft.com/office/powerpoint/2010/main" val="1489660808"/>
+      </p:ext>
+    </p:extLst>
+  </p:cSld>
+  <p:clrMapOvr>
+    <a:masterClrMapping/>
+  </p:clrMapOvr>
+</p:sld>
+</file>
+
+<file path=ppt/slides/slide5.xml><?xml version="1.0" encoding="utf-8"?>
+<p:sld xmlns:a="http://schemas.openxmlformats.org/drawingml/2006/main" xmlns:r="http://schemas.openxmlformats.org/officeDocument/2006/relationships" xmlns:p="http://schemas.openxmlformats.org/presentationml/2006/main">
+  <p:cSld>
+    <p:spTree>
+      <p:nvGrpSpPr>
+        <p:cNvPr id="1" name=""/>
+        <p:cNvGrpSpPr/>
+        <p:nvPr/>
+      </p:nvGrpSpPr>
+      <p:grpSpPr>
+        <a:xfrm>
+          <a:off x="0" y="0"/>
+          <a:ext cx="0" cy="0"/>
+          <a:chOff x="0" y="0"/>
+          <a:chExt cx="0" cy="0"/>
+        </a:xfrm>
+      </p:grpSpPr>
+      <p:sp>
+        <p:nvSpPr>
+          <p:cNvPr id="2" name="Title 1"/>
+          <p:cNvSpPr>
+            <a:spLocks noGrp="1"/>
+          </p:cNvSpPr>
+          <p:nvPr>
+            <p:ph type="title"/>
+          </p:nvPr>
+        </p:nvSpPr>
+        <p:spPr/>
+        <p:txBody>
+          <a:bodyPr/>
+          <a:lstStyle/>
+          <a:p>
+            <a:r>
+              <a:rPr lang="en-US" dirty="0" smtClean="0"/>
+              <a:t>Attendance Portal</a:t>
+            </a:r>
+            <a:endParaRPr lang="en-PH" dirty="0"/>
+          </a:p>
+        </p:txBody>
+      </p:sp>
+      <p:sp>
+        <p:nvSpPr>
+          <p:cNvPr id="3" name="Content Placeholder 2"/>
+          <p:cNvSpPr>
+            <a:spLocks noGrp="1"/>
+          </p:cNvSpPr>
+          <p:nvPr>
+            <p:ph idx="1"/>
+          </p:nvPr>
+        </p:nvSpPr>
+        <p:spPr/>
+        <p:txBody>
+          <a:bodyPr/>
+          <a:lstStyle/>
+          <a:p>
+            <a:r>
+              <a:rPr lang="en-US" dirty="0" smtClean="0"/>
+              <a:t>Attendance Portal </a:t>
+            </a:r>
+          </a:p>
+          <a:p>
+            <a:pPr lvl="1"/>
+            <a:r>
+              <a:rPr lang="en-US" dirty="0" smtClean="0"/>
+              <a:t>Record in /out employee per office</a:t>
+            </a:r>
+          </a:p>
+          <a:p>
+            <a:pPr marL="128016" lvl="1" indent="0">
+              <a:buNone/>
+            </a:pPr>
+            <a:endParaRPr lang="en-PH" dirty="0"/>
+          </a:p>
+        </p:txBody>
+      </p:sp>
+    </p:spTree>
+    <p:extLst>
+      <p:ext uri="{BB962C8B-B14F-4D97-AF65-F5344CB8AC3E}">
+        <p14:creationId xmlns:p14="http://schemas.microsoft.com/office/powerpoint/2010/main" val="4022646091"/>
       </p:ext>
     </p:extLst>
   </p:cSld>
@@ -24672,23 +24885,6 @@
 </file>
 
 <file path=customXml/item1.xml><?xml version="1.0" encoding="utf-8"?>
-<p:properties xmlns:p="http://schemas.microsoft.com/office/2006/metadata/properties" xmlns:xsi="http://www.w3.org/2001/XMLSchema-instance" xmlns:pc="http://schemas.microsoft.com/office/infopath/2007/PartnerControls">
-  <documentManagement>
-    <MediaServiceKeyPoints xmlns="71af3243-3dd4-4a8d-8c0d-dd76da1f02a5" xsi:nil="true"/>
-  </documentManagement>
-</p:properties>
-</file>
-
-<file path=customXml/item2.xml><?xml version="1.0" encoding="utf-8"?>
-<?mso-contentType ?>
-<FormTemplates xmlns="http://schemas.microsoft.com/sharepoint/v3/contenttype/forms">
-  <Display>DocumentLibraryForm</Display>
-  <Edit>DocumentLibraryForm</Edit>
-  <New>DocumentLibraryForm</New>
-</FormTemplates>
-</file>
-
-<file path=customXml/item3.xml><?xml version="1.0" encoding="utf-8"?>
 <ct:contentTypeSchema xmlns:ct="http://schemas.microsoft.com/office/2006/metadata/contentType" xmlns:ma="http://schemas.microsoft.com/office/2006/metadata/properties/metaAttributes" ct:_="" ma:_="" ma:contentTypeName="Document" ma:contentTypeID="0x01010079F111ED35F8CC479449609E8A0923A6" ma:contentTypeVersion="11" ma:contentTypeDescription="Create a new document." ma:contentTypeScope="" ma:versionID="9677210f24a1be23c92c90fd886aa0aa">
   <xsd:schema xmlns:xsd="http://www.w3.org/2001/XMLSchema" xmlns:xs="http://www.w3.org/2001/XMLSchema" xmlns:p="http://schemas.microsoft.com/office/2006/metadata/properties" xmlns:ns2="71af3243-3dd4-4a8d-8c0d-dd76da1f02a5" xmlns:ns3="16c05727-aa75-4e4a-9b5f-8a80a1165891" targetNamespace="http://schemas.microsoft.com/office/2006/metadata/properties" ma:root="true" ma:fieldsID="60e05723c5c1908df1a1a4ebf11d344e" ns2:_="" ns3:_="">
     <xsd:import namespace="71af3243-3dd4-4a8d-8c0d-dd76da1f02a5"/>
@@ -24899,25 +25095,24 @@
 </ct:contentTypeSchema>
 </file>
 
-<file path=customXml/itemProps1.xml><?xml version="1.0" encoding="utf-8"?>
-<ds:datastoreItem xmlns:ds="http://schemas.openxmlformats.org/officeDocument/2006/customXml" ds:itemID="{788A2F88-55C5-4ED1-9541-807C65424763}">
-  <ds:schemaRefs>
-    <ds:schemaRef ds:uri="http://schemas.microsoft.com/office/2006/metadata/properties"/>
-    <ds:schemaRef ds:uri="http://schemas.microsoft.com/office/infopath/2007/PartnerControls"/>
-    <ds:schemaRef ds:uri="71af3243-3dd4-4a8d-8c0d-dd76da1f02a5"/>
-  </ds:schemaRefs>
-</ds:datastoreItem>
+<file path=customXml/item2.xml><?xml version="1.0" encoding="utf-8"?>
+<?mso-contentType ?>
+<FormTemplates xmlns="http://schemas.microsoft.com/sharepoint/v3/contenttype/forms">
+  <Display>DocumentLibraryForm</Display>
+  <Edit>DocumentLibraryForm</Edit>
+  <New>DocumentLibraryForm</New>
+</FormTemplates>
 </file>
 
-<file path=customXml/itemProps2.xml><?xml version="1.0" encoding="utf-8"?>
-<ds:datastoreItem xmlns:ds="http://schemas.openxmlformats.org/officeDocument/2006/customXml" ds:itemID="{4F44C90D-2A62-4985-9618-3460247437B1}">
-  <ds:schemaRefs>
-    <ds:schemaRef ds:uri="http://schemas.microsoft.com/sharepoint/v3/contenttype/forms"/>
-  </ds:schemaRefs>
-</ds:datastoreItem>
+<file path=customXml/item3.xml><?xml version="1.0" encoding="utf-8"?>
+<p:properties xmlns:p="http://schemas.microsoft.com/office/2006/metadata/properties" xmlns:xsi="http://www.w3.org/2001/XMLSchema-instance" xmlns:pc="http://schemas.microsoft.com/office/infopath/2007/PartnerControls">
+  <documentManagement>
+    <MediaServiceKeyPoints xmlns="71af3243-3dd4-4a8d-8c0d-dd76da1f02a5" xsi:nil="true"/>
+  </documentManagement>
+</p:properties>
 </file>
 
-<file path=customXml/itemProps3.xml><?xml version="1.0" encoding="utf-8"?>
+<file path=customXml/itemProps1.xml><?xml version="1.0" encoding="utf-8"?>
 <ds:datastoreItem xmlns:ds="http://schemas.openxmlformats.org/officeDocument/2006/customXml" ds:itemID="{B61EAB5F-88FC-4FAE-AE3C-037A3C365EB8}">
   <ds:schemaRefs>
     <ds:schemaRef ds:uri="http://schemas.microsoft.com/office/2006/metadata/contentType"/>
@@ -24934,4 +25129,29 @@
     <ds:schemaRef ds:uri="http://schemas.microsoft.com/internal/obd"/>
   </ds:schemaRefs>
 </ds:datastoreItem>
+</file>
+
+<file path=customXml/itemProps2.xml><?xml version="1.0" encoding="utf-8"?>
+<ds:datastoreItem xmlns:ds="http://schemas.openxmlformats.org/officeDocument/2006/customXml" ds:itemID="{4F44C90D-2A62-4985-9618-3460247437B1}">
+  <ds:schemaRefs>
+    <ds:schemaRef ds:uri="http://schemas.microsoft.com/sharepoint/v3/contenttype/forms"/>
+  </ds:schemaRefs>
+</ds:datastoreItem>
+</file>
+
+<file path=customXml/itemProps3.xml><?xml version="1.0" encoding="utf-8"?>
+<ds:datastoreItem xmlns:ds="http://schemas.openxmlformats.org/officeDocument/2006/customXml" ds:itemID="{788A2F88-55C5-4ED1-9541-807C65424763}">
+  <ds:schemaRefs>
+    <ds:schemaRef ds:uri="http://schemas.microsoft.com/office/infopath/2007/PartnerControls"/>
+    <ds:schemaRef ds:uri="http://purl.org/dc/terms/"/>
+    <ds:schemaRef ds:uri="http://schemas.microsoft.com/office/2006/documentManagement/types"/>
+    <ds:schemaRef ds:uri="http://purl.org/dc/elements/1.1/"/>
+    <ds:schemaRef ds:uri="16c05727-aa75-4e4a-9b5f-8a80a1165891"/>
+    <ds:schemaRef ds:uri="http://purl.org/dc/dcmitype/"/>
+    <ds:schemaRef ds:uri="http://www.w3.org/XML/1998/namespace"/>
+    <ds:schemaRef ds:uri="http://schemas.microsoft.com/office/2006/metadata/properties"/>
+    <ds:schemaRef ds:uri="http://schemas.openxmlformats.org/package/2006/metadata/core-properties"/>
+    <ds:schemaRef ds:uri="71af3243-3dd4-4a8d-8c0d-dd76da1f02a5"/>
+  </ds:schemaRefs>
+</ds:datastoreItem>
 </file>